--- a/month05/Hadoop/day02_course/day02.pptx
+++ b/month05/Hadoop/day02_course/day02.pptx
@@ -2651,7 +2651,7 @@
         <a:spcBef>
           <a:spcPts val="1000"/>
         </a:spcBef>
-        <a:buFont typeface="Arial" panose="020B0604020202020204" pitchFamily="34" charset="0"/>
+        <a:buFont typeface="Arial" panose="020B0604020202090204" pitchFamily="34" charset="0"/>
         <a:buChar char="•"/>
         <a:defRPr sz="2800" kern="1200">
           <a:solidFill>
@@ -2669,7 +2669,7 @@
         <a:spcBef>
           <a:spcPts val="500"/>
         </a:spcBef>
-        <a:buFont typeface="Arial" panose="020B0604020202020204" pitchFamily="34" charset="0"/>
+        <a:buFont typeface="Arial" panose="020B0604020202090204" pitchFamily="34" charset="0"/>
         <a:buChar char="•"/>
         <a:defRPr sz="2400" kern="1200">
           <a:solidFill>
@@ -2687,7 +2687,7 @@
         <a:spcBef>
           <a:spcPts val="500"/>
         </a:spcBef>
-        <a:buFont typeface="Arial" panose="020B0604020202020204" pitchFamily="34" charset="0"/>
+        <a:buFont typeface="Arial" panose="020B0604020202090204" pitchFamily="34" charset="0"/>
         <a:buChar char="•"/>
         <a:defRPr sz="2000" kern="1200">
           <a:solidFill>
@@ -2705,7 +2705,7 @@
         <a:spcBef>
           <a:spcPts val="500"/>
         </a:spcBef>
-        <a:buFont typeface="Arial" panose="020B0604020202020204" pitchFamily="34" charset="0"/>
+        <a:buFont typeface="Arial" panose="020B0604020202090204" pitchFamily="34" charset="0"/>
         <a:buChar char="•"/>
         <a:defRPr sz="1800" kern="1200">
           <a:solidFill>
@@ -2723,7 +2723,7 @@
         <a:spcBef>
           <a:spcPts val="500"/>
         </a:spcBef>
-        <a:buFont typeface="Arial" panose="020B0604020202020204" pitchFamily="34" charset="0"/>
+        <a:buFont typeface="Arial" panose="020B0604020202090204" pitchFamily="34" charset="0"/>
         <a:buChar char="•"/>
         <a:defRPr sz="1800" kern="1200">
           <a:solidFill>
@@ -2741,7 +2741,7 @@
         <a:spcBef>
           <a:spcPts val="500"/>
         </a:spcBef>
-        <a:buFont typeface="Arial" panose="020B0604020202020204" pitchFamily="34" charset="0"/>
+        <a:buFont typeface="Arial" panose="020B0604020202090204" pitchFamily="34" charset="0"/>
         <a:buChar char="•"/>
         <a:defRPr sz="1800" kern="1200">
           <a:solidFill>
@@ -2759,7 +2759,7 @@
         <a:spcBef>
           <a:spcPts val="500"/>
         </a:spcBef>
-        <a:buFont typeface="Arial" panose="020B0604020202020204" pitchFamily="34" charset="0"/>
+        <a:buFont typeface="Arial" panose="020B0604020202090204" pitchFamily="34" charset="0"/>
         <a:buChar char="•"/>
         <a:defRPr sz="1800" kern="1200">
           <a:solidFill>
@@ -2777,7 +2777,7 @@
         <a:spcBef>
           <a:spcPts val="500"/>
         </a:spcBef>
-        <a:buFont typeface="Arial" panose="020B0604020202020204" pitchFamily="34" charset="0"/>
+        <a:buFont typeface="Arial" panose="020B0604020202090204" pitchFamily="34" charset="0"/>
         <a:buChar char="•"/>
         <a:defRPr sz="1800" kern="1200">
           <a:solidFill>
@@ -2795,7 +2795,7 @@
         <a:spcBef>
           <a:spcPts val="500"/>
         </a:spcBef>
-        <a:buFont typeface="Arial" panose="020B0604020202020204" pitchFamily="34" charset="0"/>
+        <a:buFont typeface="Arial" panose="020B0604020202090204" pitchFamily="34" charset="0"/>
         <a:buChar char="•"/>
         <a:defRPr sz="1800" kern="1200">
           <a:solidFill>
@@ -4082,11 +4082,7 @@
           <a:p>
             <a:r>
               <a:rPr lang="en-US" altLang="zh-CN" b="1"/>
-              <a:t>secondary</a:t>
-            </a:r>
-            <a:r>
-              <a:rPr lang="en-US" altLang="zh-CN" b="1"/>
-              <a:t>namenode</a:t>
+              <a:t>secondarynamenode</a:t>
             </a:r>
             <a:endParaRPr lang="en-US" altLang="zh-CN" b="1"/>
           </a:p>
@@ -4496,15 +4492,7 @@
                   <a:srgbClr val="FF0000"/>
                 </a:solidFill>
               </a:rPr>
-              <a:t>2</a:t>
-            </a:r>
-            <a:r>
-              <a:rPr lang="en-US" altLang="zh-CN" b="1">
-                <a:solidFill>
-                  <a:srgbClr val="FF0000"/>
-                </a:solidFill>
-              </a:rPr>
-              <a:t>(rack2)</a:t>
+              <a:t>2(rack2)</a:t>
             </a:r>
             <a:endParaRPr lang="en-US" altLang="zh-CN" b="1">
               <a:solidFill>
@@ -5493,8 +5481,8 @@
         </p:nvSpPr>
         <p:spPr>
           <a:xfrm>
-            <a:off x="3834765" y="3028315"/>
-            <a:ext cx="4032250" cy="922020"/>
+            <a:off x="3462655" y="3016885"/>
+            <a:ext cx="4776470" cy="922020"/>
           </a:xfrm>
           <a:prstGeom prst="rect">
             <a:avLst/>
@@ -5583,7 +5571,7 @@
         </p:nvCxnSpPr>
         <p:spPr>
           <a:xfrm>
-            <a:off x="5850890" y="3950335"/>
+            <a:off x="5850890" y="3938905"/>
             <a:ext cx="8255" cy="544195"/>
           </a:xfrm>
           <a:prstGeom prst="straightConnector1">
@@ -5616,8 +5604,8 @@
         </p:nvSpPr>
         <p:spPr>
           <a:xfrm>
-            <a:off x="5466080" y="4494530"/>
-            <a:ext cx="1889125" cy="922020"/>
+            <a:off x="4613275" y="4494530"/>
+            <a:ext cx="2741930" cy="922020"/>
           </a:xfrm>
           <a:prstGeom prst="rect">
             <a:avLst/>
